--- a/Goudkoorts_UML_Modeling/Presentatie/pres_modl3_eindopdracht.pptx
+++ b/Goudkoorts_UML_Modeling/Presentatie/pres_modl3_eindopdracht.pptx
@@ -11,7 +11,13 @@
     <p:sldId id="258" r:id="rId5"/>
     <p:sldId id="259" r:id="rId6"/>
     <p:sldId id="260" r:id="rId7"/>
-    <p:sldId id="261" r:id="rId8"/>
+    <p:sldId id="263" r:id="rId8"/>
+    <p:sldId id="261" r:id="rId9"/>
+    <p:sldId id="265" r:id="rId10"/>
+    <p:sldId id="266" r:id="rId11"/>
+    <p:sldId id="267" r:id="rId12"/>
+    <p:sldId id="268" r:id="rId13"/>
+    <p:sldId id="264" r:id="rId14"/>
   </p:sldIdLst>
   <p:sldSz cx="9144000" cy="6858000" type="screen4x3"/>
   <p:notesSz cx="6858000" cy="9144000"/>
@@ -295,7 +301,7 @@
             <a:fld id="{8638F0FA-503B-447F-A02E-6BF1D880434F}" type="datetimeFigureOut">
               <a:rPr lang="nl-NL" smtClean="0"/>
               <a:pPr/>
-              <a:t>27-10-2014</a:t>
+              <a:t>2-11-2014</a:t>
             </a:fld>
             <a:endParaRPr lang="nl-NL"/>
           </a:p>
@@ -462,7 +468,7 @@
             <a:fld id="{8638F0FA-503B-447F-A02E-6BF1D880434F}" type="datetimeFigureOut">
               <a:rPr lang="nl-NL" smtClean="0"/>
               <a:pPr/>
-              <a:t>27-10-2014</a:t>
+              <a:t>2-11-2014</a:t>
             </a:fld>
             <a:endParaRPr lang="nl-NL"/>
           </a:p>
@@ -639,7 +645,7 @@
             <a:fld id="{8638F0FA-503B-447F-A02E-6BF1D880434F}" type="datetimeFigureOut">
               <a:rPr lang="nl-NL" smtClean="0"/>
               <a:pPr/>
-              <a:t>27-10-2014</a:t>
+              <a:t>2-11-2014</a:t>
             </a:fld>
             <a:endParaRPr lang="nl-NL"/>
           </a:p>
@@ -806,7 +812,7 @@
             <a:fld id="{8638F0FA-503B-447F-A02E-6BF1D880434F}" type="datetimeFigureOut">
               <a:rPr lang="nl-NL" smtClean="0"/>
               <a:pPr/>
-              <a:t>27-10-2014</a:t>
+              <a:t>2-11-2014</a:t>
             </a:fld>
             <a:endParaRPr lang="nl-NL"/>
           </a:p>
@@ -1049,7 +1055,7 @@
             <a:fld id="{8638F0FA-503B-447F-A02E-6BF1D880434F}" type="datetimeFigureOut">
               <a:rPr lang="nl-NL" smtClean="0"/>
               <a:pPr/>
-              <a:t>27-10-2014</a:t>
+              <a:t>2-11-2014</a:t>
             </a:fld>
             <a:endParaRPr lang="nl-NL"/>
           </a:p>
@@ -1334,7 +1340,7 @@
             <a:fld id="{8638F0FA-503B-447F-A02E-6BF1D880434F}" type="datetimeFigureOut">
               <a:rPr lang="nl-NL" smtClean="0"/>
               <a:pPr/>
-              <a:t>27-10-2014</a:t>
+              <a:t>2-11-2014</a:t>
             </a:fld>
             <a:endParaRPr lang="nl-NL"/>
           </a:p>
@@ -1753,7 +1759,7 @@
             <a:fld id="{8638F0FA-503B-447F-A02E-6BF1D880434F}" type="datetimeFigureOut">
               <a:rPr lang="nl-NL" smtClean="0"/>
               <a:pPr/>
-              <a:t>27-10-2014</a:t>
+              <a:t>2-11-2014</a:t>
             </a:fld>
             <a:endParaRPr lang="nl-NL"/>
           </a:p>
@@ -1868,7 +1874,7 @@
             <a:fld id="{8638F0FA-503B-447F-A02E-6BF1D880434F}" type="datetimeFigureOut">
               <a:rPr lang="nl-NL" smtClean="0"/>
               <a:pPr/>
-              <a:t>27-10-2014</a:t>
+              <a:t>2-11-2014</a:t>
             </a:fld>
             <a:endParaRPr lang="nl-NL"/>
           </a:p>
@@ -1960,7 +1966,7 @@
             <a:fld id="{8638F0FA-503B-447F-A02E-6BF1D880434F}" type="datetimeFigureOut">
               <a:rPr lang="nl-NL" smtClean="0"/>
               <a:pPr/>
-              <a:t>27-10-2014</a:t>
+              <a:t>2-11-2014</a:t>
             </a:fld>
             <a:endParaRPr lang="nl-NL"/>
           </a:p>
@@ -2234,7 +2240,7 @@
             <a:fld id="{8638F0FA-503B-447F-A02E-6BF1D880434F}" type="datetimeFigureOut">
               <a:rPr lang="nl-NL" smtClean="0"/>
               <a:pPr/>
-              <a:t>27-10-2014</a:t>
+              <a:t>2-11-2014</a:t>
             </a:fld>
             <a:endParaRPr lang="nl-NL"/>
           </a:p>
@@ -2484,7 +2490,7 @@
             <a:fld id="{8638F0FA-503B-447F-A02E-6BF1D880434F}" type="datetimeFigureOut">
               <a:rPr lang="nl-NL" smtClean="0"/>
               <a:pPr/>
-              <a:t>27-10-2014</a:t>
+              <a:t>2-11-2014</a:t>
             </a:fld>
             <a:endParaRPr lang="nl-NL"/>
           </a:p>
@@ -2694,7 +2700,7 @@
             <a:fld id="{8638F0FA-503B-447F-A02E-6BF1D880434F}" type="datetimeFigureOut">
               <a:rPr lang="nl-NL" smtClean="0"/>
               <a:pPr/>
-              <a:t>27-10-2014</a:t>
+              <a:t>2-11-2014</a:t>
             </a:fld>
             <a:endParaRPr lang="nl-NL"/>
           </a:p>
@@ -3291,6 +3297,605 @@
 </p:sld>
 </file>
 
+<file path=ppt/slides/slide10.xml><?xml version="1.0" encoding="utf-8"?>
+<p:sld xmlns:a="http://schemas.openxmlformats.org/drawingml/2006/main" xmlns:r="http://schemas.openxmlformats.org/officeDocument/2006/relationships" xmlns:p="http://schemas.openxmlformats.org/presentationml/2006/main">
+  <p:cSld>
+    <p:spTree>
+      <p:nvGrpSpPr>
+        <p:cNvPr id="1" name=""/>
+        <p:cNvGrpSpPr/>
+        <p:nvPr/>
+      </p:nvGrpSpPr>
+      <p:grpSpPr>
+        <a:xfrm>
+          <a:off x="0" y="0"/>
+          <a:ext cx="0" cy="0"/>
+          <a:chOff x="0" y="0"/>
+          <a:chExt cx="0" cy="0"/>
+        </a:xfrm>
+      </p:grpSpPr>
+      <p:pic>
+        <p:nvPicPr>
+          <p:cNvPr id="4098" name="Picture 2"/>
+          <p:cNvPicPr>
+            <a:picLocks noChangeAspect="1" noChangeArrowheads="1"/>
+          </p:cNvPicPr>
+          <p:nvPr/>
+        </p:nvPicPr>
+        <p:blipFill>
+          <a:blip r:embed="rId2" cstate="print"/>
+          <a:srcRect/>
+          <a:stretch>
+            <a:fillRect/>
+          </a:stretch>
+        </p:blipFill>
+        <p:spPr bwMode="auto">
+          <a:xfrm>
+            <a:off x="0" y="548680"/>
+            <a:ext cx="9144000" cy="4873014"/>
+          </a:xfrm>
+          <a:prstGeom prst="rect">
+            <a:avLst/>
+          </a:prstGeom>
+          <a:noFill/>
+          <a:ln w="9525">
+            <a:noFill/>
+            <a:miter lim="800000"/>
+            <a:headEnd/>
+            <a:tailEnd/>
+          </a:ln>
+        </p:spPr>
+      </p:pic>
+      <p:sp>
+        <p:nvSpPr>
+          <p:cNvPr id="5" name="Tekstvak 4"/>
+          <p:cNvSpPr txBox="1"/>
+          <p:nvPr/>
+        </p:nvSpPr>
+        <p:spPr>
+          <a:xfrm>
+            <a:off x="4788024" y="1477976"/>
+            <a:ext cx="3021709" cy="646331"/>
+          </a:xfrm>
+          <a:prstGeom prst="rect">
+            <a:avLst/>
+          </a:prstGeom>
+        </p:spPr>
+        <p:style>
+          <a:lnRef idx="2">
+            <a:schemeClr val="accent2"/>
+          </a:lnRef>
+          <a:fillRef idx="1">
+            <a:schemeClr val="lt1"/>
+          </a:fillRef>
+          <a:effectRef idx="0">
+            <a:schemeClr val="accent2"/>
+          </a:effectRef>
+          <a:fontRef idx="minor">
+            <a:schemeClr val="dk1"/>
+          </a:fontRef>
+        </p:style>
+        <p:txBody>
+          <a:bodyPr wrap="square" rtlCol="0">
+            <a:spAutoFit/>
+          </a:bodyPr>
+          <a:lstStyle/>
+          <a:p>
+            <a:r>
+              <a:rPr lang="nl-NL" b="1" dirty="0" smtClean="0">
+                <a:solidFill>
+                  <a:srgbClr val="FF0000"/>
+                </a:solidFill>
+              </a:rPr>
+              <a:t>Kijken of er wel een volgende positie is</a:t>
+            </a:r>
+            <a:endParaRPr lang="nl-NL" b="1" dirty="0">
+              <a:solidFill>
+                <a:srgbClr val="FF0000"/>
+              </a:solidFill>
+            </a:endParaRPr>
+          </a:p>
+        </p:txBody>
+      </p:sp>
+      <p:cxnSp>
+        <p:nvCxnSpPr>
+          <p:cNvPr id="6" name="Rechte verbindingslijn 5"/>
+          <p:cNvCxnSpPr/>
+          <p:nvPr/>
+        </p:nvCxnSpPr>
+        <p:spPr>
+          <a:xfrm flipV="1">
+            <a:off x="5436096" y="2126048"/>
+            <a:ext cx="0" cy="648072"/>
+          </a:xfrm>
+          <a:prstGeom prst="line">
+            <a:avLst/>
+          </a:prstGeom>
+          <a:ln w="38100"/>
+        </p:spPr>
+        <p:style>
+          <a:lnRef idx="1">
+            <a:schemeClr val="accent2"/>
+          </a:lnRef>
+          <a:fillRef idx="0">
+            <a:schemeClr val="accent2"/>
+          </a:fillRef>
+          <a:effectRef idx="0">
+            <a:schemeClr val="accent2"/>
+          </a:effectRef>
+          <a:fontRef idx="minor">
+            <a:schemeClr val="tx1"/>
+          </a:fontRef>
+        </p:style>
+      </p:cxnSp>
+      <p:sp>
+        <p:nvSpPr>
+          <p:cNvPr id="8" name="Tekstvak 7"/>
+          <p:cNvSpPr txBox="1"/>
+          <p:nvPr/>
+        </p:nvSpPr>
+        <p:spPr>
+          <a:xfrm>
+            <a:off x="5652120" y="6021288"/>
+            <a:ext cx="3168352" cy="646331"/>
+          </a:xfrm>
+          <a:prstGeom prst="rect">
+            <a:avLst/>
+          </a:prstGeom>
+        </p:spPr>
+        <p:style>
+          <a:lnRef idx="2">
+            <a:schemeClr val="accent2"/>
+          </a:lnRef>
+          <a:fillRef idx="1">
+            <a:schemeClr val="lt1"/>
+          </a:fillRef>
+          <a:effectRef idx="0">
+            <a:schemeClr val="accent2"/>
+          </a:effectRef>
+          <a:fontRef idx="minor">
+            <a:schemeClr val="dk1"/>
+          </a:fontRef>
+        </p:style>
+        <p:txBody>
+          <a:bodyPr wrap="square" rtlCol="0">
+            <a:spAutoFit/>
+          </a:bodyPr>
+          <a:lstStyle/>
+          <a:p>
+            <a:r>
+              <a:rPr lang="nl-NL" b="1" dirty="0" smtClean="0">
+                <a:solidFill>
+                  <a:srgbClr val="FF0000"/>
+                </a:solidFill>
+              </a:rPr>
+              <a:t>Maar wat als er nou al een karretje op een positie staat?</a:t>
+            </a:r>
+            <a:endParaRPr lang="nl-NL" b="1" dirty="0">
+              <a:solidFill>
+                <a:srgbClr val="FF0000"/>
+              </a:solidFill>
+            </a:endParaRPr>
+          </a:p>
+        </p:txBody>
+      </p:sp>
+    </p:spTree>
+  </p:cSld>
+  <p:clrMapOvr>
+    <a:masterClrMapping/>
+  </p:clrMapOvr>
+</p:sld>
+</file>
+
+<file path=ppt/slides/slide11.xml><?xml version="1.0" encoding="utf-8"?>
+<p:sld xmlns:a="http://schemas.openxmlformats.org/drawingml/2006/main" xmlns:r="http://schemas.openxmlformats.org/officeDocument/2006/relationships" xmlns:p="http://schemas.openxmlformats.org/presentationml/2006/main">
+  <p:cSld>
+    <p:spTree>
+      <p:nvGrpSpPr>
+        <p:cNvPr id="1" name=""/>
+        <p:cNvGrpSpPr/>
+        <p:nvPr/>
+      </p:nvGrpSpPr>
+      <p:grpSpPr>
+        <a:xfrm>
+          <a:off x="0" y="0"/>
+          <a:ext cx="0" cy="0"/>
+          <a:chOff x="0" y="0"/>
+          <a:chExt cx="0" cy="0"/>
+        </a:xfrm>
+      </p:grpSpPr>
+      <p:pic>
+        <p:nvPicPr>
+          <p:cNvPr id="5122" name="Picture 2"/>
+          <p:cNvPicPr>
+            <a:picLocks noChangeAspect="1" noChangeArrowheads="1"/>
+          </p:cNvPicPr>
+          <p:nvPr/>
+        </p:nvPicPr>
+        <p:blipFill>
+          <a:blip r:embed="rId2" cstate="print"/>
+          <a:srcRect/>
+          <a:stretch>
+            <a:fillRect/>
+          </a:stretch>
+        </p:blipFill>
+        <p:spPr bwMode="auto">
+          <a:xfrm>
+            <a:off x="0" y="980728"/>
+            <a:ext cx="9154490" cy="4315535"/>
+          </a:xfrm>
+          <a:prstGeom prst="rect">
+            <a:avLst/>
+          </a:prstGeom>
+          <a:noFill/>
+          <a:ln w="9525">
+            <a:noFill/>
+            <a:miter lim="800000"/>
+            <a:headEnd/>
+            <a:tailEnd/>
+          </a:ln>
+        </p:spPr>
+      </p:pic>
+      <p:sp>
+        <p:nvSpPr>
+          <p:cNvPr id="5" name="Tekstvak 4"/>
+          <p:cNvSpPr txBox="1"/>
+          <p:nvPr/>
+        </p:nvSpPr>
+        <p:spPr>
+          <a:xfrm>
+            <a:off x="5364088" y="2132856"/>
+            <a:ext cx="3021709" cy="646331"/>
+          </a:xfrm>
+          <a:prstGeom prst="rect">
+            <a:avLst/>
+          </a:prstGeom>
+        </p:spPr>
+        <p:style>
+          <a:lnRef idx="2">
+            <a:schemeClr val="accent2"/>
+          </a:lnRef>
+          <a:fillRef idx="1">
+            <a:schemeClr val="lt1"/>
+          </a:fillRef>
+          <a:effectRef idx="0">
+            <a:schemeClr val="accent2"/>
+          </a:effectRef>
+          <a:fontRef idx="minor">
+            <a:schemeClr val="dk1"/>
+          </a:fontRef>
+        </p:style>
+        <p:txBody>
+          <a:bodyPr wrap="square" rtlCol="0">
+            <a:spAutoFit/>
+          </a:bodyPr>
+          <a:lstStyle/>
+          <a:p>
+            <a:r>
+              <a:rPr lang="nl-NL" b="1" dirty="0" smtClean="0">
+                <a:solidFill>
+                  <a:srgbClr val="FF0000"/>
+                </a:solidFill>
+              </a:rPr>
+              <a:t>Als er een kar staat, gooi een exceptie op</a:t>
+            </a:r>
+            <a:endParaRPr lang="nl-NL" b="1" dirty="0">
+              <a:solidFill>
+                <a:srgbClr val="FF0000"/>
+              </a:solidFill>
+            </a:endParaRPr>
+          </a:p>
+        </p:txBody>
+      </p:sp>
+      <p:cxnSp>
+        <p:nvCxnSpPr>
+          <p:cNvPr id="6" name="Rechte verbindingslijn 5"/>
+          <p:cNvCxnSpPr/>
+          <p:nvPr/>
+        </p:nvCxnSpPr>
+        <p:spPr>
+          <a:xfrm flipV="1">
+            <a:off x="7380312" y="2780928"/>
+            <a:ext cx="0" cy="648072"/>
+          </a:xfrm>
+          <a:prstGeom prst="line">
+            <a:avLst/>
+          </a:prstGeom>
+          <a:ln w="38100"/>
+        </p:spPr>
+        <p:style>
+          <a:lnRef idx="1">
+            <a:schemeClr val="accent2"/>
+          </a:lnRef>
+          <a:fillRef idx="0">
+            <a:schemeClr val="accent2"/>
+          </a:fillRef>
+          <a:effectRef idx="0">
+            <a:schemeClr val="accent2"/>
+          </a:effectRef>
+          <a:fontRef idx="minor">
+            <a:schemeClr val="tx1"/>
+          </a:fontRef>
+        </p:style>
+      </p:cxnSp>
+      <p:sp>
+        <p:nvSpPr>
+          <p:cNvPr id="7" name="Tekstvak 6"/>
+          <p:cNvSpPr txBox="1"/>
+          <p:nvPr/>
+        </p:nvSpPr>
+        <p:spPr>
+          <a:xfrm>
+            <a:off x="5940152" y="5661248"/>
+            <a:ext cx="3021709" cy="923330"/>
+          </a:xfrm>
+          <a:prstGeom prst="rect">
+            <a:avLst/>
+          </a:prstGeom>
+        </p:spPr>
+        <p:style>
+          <a:lnRef idx="2">
+            <a:schemeClr val="accent2"/>
+          </a:lnRef>
+          <a:fillRef idx="1">
+            <a:schemeClr val="lt1"/>
+          </a:fillRef>
+          <a:effectRef idx="0">
+            <a:schemeClr val="accent2"/>
+          </a:effectRef>
+          <a:fontRef idx="minor">
+            <a:schemeClr val="dk1"/>
+          </a:fontRef>
+        </p:style>
+        <p:txBody>
+          <a:bodyPr wrap="square" rtlCol="0">
+            <a:spAutoFit/>
+          </a:bodyPr>
+          <a:lstStyle/>
+          <a:p>
+            <a:r>
+              <a:rPr lang="nl-NL" b="1" dirty="0" smtClean="0">
+                <a:solidFill>
+                  <a:srgbClr val="FF0000"/>
+                </a:solidFill>
+              </a:rPr>
+              <a:t>Maar wat als een karretje moet wachten voor een wissel?</a:t>
+            </a:r>
+            <a:endParaRPr lang="nl-NL" b="1" dirty="0">
+              <a:solidFill>
+                <a:srgbClr val="FF0000"/>
+              </a:solidFill>
+            </a:endParaRPr>
+          </a:p>
+        </p:txBody>
+      </p:sp>
+    </p:spTree>
+  </p:cSld>
+  <p:clrMapOvr>
+    <a:masterClrMapping/>
+  </p:clrMapOvr>
+</p:sld>
+</file>
+
+<file path=ppt/slides/slide12.xml><?xml version="1.0" encoding="utf-8"?>
+<p:sld xmlns:a="http://schemas.openxmlformats.org/drawingml/2006/main" xmlns:r="http://schemas.openxmlformats.org/officeDocument/2006/relationships" xmlns:p="http://schemas.openxmlformats.org/presentationml/2006/main">
+  <p:cSld>
+    <p:spTree>
+      <p:nvGrpSpPr>
+        <p:cNvPr id="1" name=""/>
+        <p:cNvGrpSpPr/>
+        <p:nvPr/>
+      </p:nvGrpSpPr>
+      <p:grpSpPr>
+        <a:xfrm>
+          <a:off x="0" y="0"/>
+          <a:ext cx="0" cy="0"/>
+          <a:chOff x="0" y="0"/>
+          <a:chExt cx="0" cy="0"/>
+        </a:xfrm>
+      </p:grpSpPr>
+      <p:pic>
+        <p:nvPicPr>
+          <p:cNvPr id="6146" name="Picture 2"/>
+          <p:cNvPicPr>
+            <a:picLocks noChangeAspect="1" noChangeArrowheads="1"/>
+          </p:cNvPicPr>
+          <p:nvPr/>
+        </p:nvPicPr>
+        <p:blipFill>
+          <a:blip r:embed="rId2" cstate="print"/>
+          <a:srcRect/>
+          <a:stretch>
+            <a:fillRect/>
+          </a:stretch>
+        </p:blipFill>
+        <p:spPr bwMode="auto">
+          <a:xfrm>
+            <a:off x="539552" y="188640"/>
+            <a:ext cx="8208912" cy="6309033"/>
+          </a:xfrm>
+          <a:prstGeom prst="rect">
+            <a:avLst/>
+          </a:prstGeom>
+          <a:noFill/>
+          <a:ln w="9525">
+            <a:noFill/>
+            <a:miter lim="800000"/>
+            <a:headEnd/>
+            <a:tailEnd/>
+          </a:ln>
+        </p:spPr>
+      </p:pic>
+      <p:sp>
+        <p:nvSpPr>
+          <p:cNvPr id="5" name="Tekstvak 4"/>
+          <p:cNvSpPr txBox="1"/>
+          <p:nvPr/>
+        </p:nvSpPr>
+        <p:spPr>
+          <a:xfrm>
+            <a:off x="5652120" y="1124744"/>
+            <a:ext cx="3021709" cy="923330"/>
+          </a:xfrm>
+          <a:prstGeom prst="rect">
+            <a:avLst/>
+          </a:prstGeom>
+        </p:spPr>
+        <p:style>
+          <a:lnRef idx="2">
+            <a:schemeClr val="accent2"/>
+          </a:lnRef>
+          <a:fillRef idx="1">
+            <a:schemeClr val="lt1"/>
+          </a:fillRef>
+          <a:effectRef idx="0">
+            <a:schemeClr val="accent2"/>
+          </a:effectRef>
+          <a:fontRef idx="minor">
+            <a:schemeClr val="dk1"/>
+          </a:fontRef>
+        </p:style>
+        <p:txBody>
+          <a:bodyPr wrap="square" rtlCol="0">
+            <a:spAutoFit/>
+          </a:bodyPr>
+          <a:lstStyle/>
+          <a:p>
+            <a:r>
+              <a:rPr lang="nl-NL" b="1" dirty="0" smtClean="0">
+                <a:solidFill>
+                  <a:srgbClr val="FF0000"/>
+                </a:solidFill>
+              </a:rPr>
+              <a:t>D.m.v. </a:t>
+            </a:r>
+            <a:r>
+              <a:rPr lang="nl-NL" b="1" dirty="0" err="1" smtClean="0">
+                <a:solidFill>
+                  <a:srgbClr val="FF0000"/>
+                </a:solidFill>
+              </a:rPr>
+              <a:t>inheritance</a:t>
+            </a:r>
+            <a:r>
+              <a:rPr lang="nl-NL" b="1" dirty="0" smtClean="0">
+                <a:solidFill>
+                  <a:srgbClr val="FF0000"/>
+                </a:solidFill>
+              </a:rPr>
+              <a:t> kan er gekeken worden of de vakjes gekoppeld zijn</a:t>
+            </a:r>
+            <a:endParaRPr lang="nl-NL" b="1" dirty="0">
+              <a:solidFill>
+                <a:srgbClr val="FF0000"/>
+              </a:solidFill>
+            </a:endParaRPr>
+          </a:p>
+        </p:txBody>
+      </p:sp>
+      <p:cxnSp>
+        <p:nvCxnSpPr>
+          <p:cNvPr id="6" name="Rechte verbindingslijn 5"/>
+          <p:cNvCxnSpPr/>
+          <p:nvPr/>
+        </p:nvCxnSpPr>
+        <p:spPr>
+          <a:xfrm flipV="1">
+            <a:off x="7092280" y="2060848"/>
+            <a:ext cx="0" cy="792088"/>
+          </a:xfrm>
+          <a:prstGeom prst="line">
+            <a:avLst/>
+          </a:prstGeom>
+          <a:ln w="38100"/>
+        </p:spPr>
+        <p:style>
+          <a:lnRef idx="1">
+            <a:schemeClr val="accent2"/>
+          </a:lnRef>
+          <a:fillRef idx="0">
+            <a:schemeClr val="accent2"/>
+          </a:fillRef>
+          <a:effectRef idx="0">
+            <a:schemeClr val="accent2"/>
+          </a:effectRef>
+          <a:fontRef idx="minor">
+            <a:schemeClr val="tx1"/>
+          </a:fontRef>
+        </p:style>
+      </p:cxnSp>
+    </p:spTree>
+  </p:cSld>
+  <p:clrMapOvr>
+    <a:masterClrMapping/>
+  </p:clrMapOvr>
+</p:sld>
+</file>
+
+<file path=ppt/slides/slide13.xml><?xml version="1.0" encoding="utf-8"?>
+<p:sld xmlns:a="http://schemas.openxmlformats.org/drawingml/2006/main" xmlns:r="http://schemas.openxmlformats.org/officeDocument/2006/relationships" xmlns:p="http://schemas.openxmlformats.org/presentationml/2006/main">
+  <p:cSld>
+    <p:spTree>
+      <p:nvGrpSpPr>
+        <p:cNvPr id="1" name=""/>
+        <p:cNvGrpSpPr/>
+        <p:nvPr/>
+      </p:nvGrpSpPr>
+      <p:grpSpPr>
+        <a:xfrm>
+          <a:off x="0" y="0"/>
+          <a:ext cx="0" cy="0"/>
+          <a:chOff x="0" y="0"/>
+          <a:chExt cx="0" cy="0"/>
+        </a:xfrm>
+      </p:grpSpPr>
+      <p:pic>
+        <p:nvPicPr>
+          <p:cNvPr id="2050" name="Picture 2"/>
+          <p:cNvPicPr>
+            <a:picLocks noChangeAspect="1" noChangeArrowheads="1"/>
+          </p:cNvPicPr>
+          <p:nvPr/>
+        </p:nvPicPr>
+        <p:blipFill>
+          <a:blip r:embed="rId2" cstate="print"/>
+          <a:srcRect/>
+          <a:stretch>
+            <a:fillRect/>
+          </a:stretch>
+        </p:blipFill>
+        <p:spPr bwMode="auto">
+          <a:xfrm>
+            <a:off x="323528" y="0"/>
+            <a:ext cx="8136904" cy="6858000"/>
+          </a:xfrm>
+          <a:prstGeom prst="rect">
+            <a:avLst/>
+          </a:prstGeom>
+          <a:noFill/>
+          <a:ln w="9525">
+            <a:noFill/>
+            <a:miter lim="800000"/>
+            <a:headEnd/>
+            <a:tailEnd/>
+          </a:ln>
+        </p:spPr>
+      </p:pic>
+    </p:spTree>
+  </p:cSld>
+  <p:clrMapOvr>
+    <a:masterClrMapping/>
+  </p:clrMapOvr>
+  <p:timing>
+    <p:tnLst>
+      <p:par>
+        <p:cTn id="1" dur="indefinite" restart="never" nodeType="tmRoot"/>
+      </p:par>
+    </p:tnLst>
+  </p:timing>
+</p:sld>
+</file>
+
 <file path=ppt/slides/slide2.xml><?xml version="1.0" encoding="utf-8"?>
 <p:sld xmlns:a="http://schemas.openxmlformats.org/drawingml/2006/main" xmlns:r="http://schemas.openxmlformats.org/officeDocument/2006/relationships" xmlns:p="http://schemas.openxmlformats.org/presentationml/2006/main">
   <p:cSld>
@@ -3335,11 +3940,50 @@
           </a:p>
         </p:txBody>
       </p:sp>
+      <p:pic>
+        <p:nvPicPr>
+          <p:cNvPr id="7170" name="Picture 2"/>
+          <p:cNvPicPr>
+            <a:picLocks noChangeAspect="1" noChangeArrowheads="1"/>
+          </p:cNvPicPr>
+          <p:nvPr/>
+        </p:nvPicPr>
+        <p:blipFill>
+          <a:blip r:embed="rId2" cstate="print"/>
+          <a:srcRect/>
+          <a:stretch>
+            <a:fillRect/>
+          </a:stretch>
+        </p:blipFill>
+        <p:spPr bwMode="auto">
+          <a:xfrm>
+            <a:off x="1403648" y="1412776"/>
+            <a:ext cx="6429375" cy="4962525"/>
+          </a:xfrm>
+          <a:prstGeom prst="rect">
+            <a:avLst/>
+          </a:prstGeom>
+          <a:noFill/>
+          <a:ln w="9525">
+            <a:noFill/>
+            <a:miter lim="800000"/>
+            <a:headEnd/>
+            <a:tailEnd/>
+          </a:ln>
+        </p:spPr>
+      </p:pic>
     </p:spTree>
   </p:cSld>
   <p:clrMapOvr>
     <a:masterClrMapping/>
   </p:clrMapOvr>
+  <p:timing>
+    <p:tnLst>
+      <p:par>
+        <p:cTn id="1" dur="indefinite" restart="never" nodeType="tmRoot"/>
+      </p:par>
+    </p:tnLst>
+  </p:timing>
 </p:sld>
 </file>
 
@@ -4201,6 +4845,91 @@
             <p:ph type="title"/>
           </p:nvPr>
         </p:nvSpPr>
+        <p:spPr/>
+        <p:txBody>
+          <a:bodyPr/>
+          <a:lstStyle/>
+          <a:p>
+            <a:r>
+              <a:rPr lang="nl-NL" dirty="0" smtClean="0"/>
+              <a:t>Spel</a:t>
+            </a:r>
+            <a:endParaRPr lang="nl-NL" dirty="0"/>
+          </a:p>
+        </p:txBody>
+      </p:sp>
+      <p:pic>
+        <p:nvPicPr>
+          <p:cNvPr id="5" name="Afbeelding 4"/>
+          <p:cNvPicPr/>
+          <p:nvPr/>
+        </p:nvPicPr>
+        <p:blipFill>
+          <a:blip r:embed="rId2" cstate="print"/>
+          <a:srcRect/>
+          <a:stretch>
+            <a:fillRect/>
+          </a:stretch>
+        </p:blipFill>
+        <p:spPr bwMode="auto">
+          <a:xfrm>
+            <a:off x="0" y="1340768"/>
+            <a:ext cx="9144000" cy="4680520"/>
+          </a:xfrm>
+          <a:prstGeom prst="rect">
+            <a:avLst/>
+          </a:prstGeom>
+          <a:noFill/>
+          <a:ln w="9525">
+            <a:noFill/>
+            <a:miter lim="800000"/>
+            <a:headEnd/>
+            <a:tailEnd/>
+          </a:ln>
+        </p:spPr>
+      </p:pic>
+    </p:spTree>
+  </p:cSld>
+  <p:clrMapOvr>
+    <a:masterClrMapping/>
+  </p:clrMapOvr>
+  <p:timing>
+    <p:tnLst>
+      <p:par>
+        <p:cTn id="1" dur="indefinite" restart="never" nodeType="tmRoot"/>
+      </p:par>
+    </p:tnLst>
+  </p:timing>
+</p:sld>
+</file>
+
+<file path=ppt/slides/slide8.xml><?xml version="1.0" encoding="utf-8"?>
+<p:sld xmlns:a="http://schemas.openxmlformats.org/drawingml/2006/main" xmlns:r="http://schemas.openxmlformats.org/officeDocument/2006/relationships" xmlns:p="http://schemas.openxmlformats.org/presentationml/2006/main">
+  <p:cSld>
+    <p:spTree>
+      <p:nvGrpSpPr>
+        <p:cNvPr id="1" name=""/>
+        <p:cNvGrpSpPr/>
+        <p:nvPr/>
+      </p:nvGrpSpPr>
+      <p:grpSpPr>
+        <a:xfrm>
+          <a:off x="0" y="0"/>
+          <a:ext cx="0" cy="0"/>
+          <a:chOff x="0" y="0"/>
+          <a:chExt cx="0" cy="0"/>
+        </a:xfrm>
+      </p:grpSpPr>
+      <p:sp>
+        <p:nvSpPr>
+          <p:cNvPr id="2" name="Titel 1"/>
+          <p:cNvSpPr>
+            <a:spLocks noGrp="1"/>
+          </p:cNvSpPr>
+          <p:nvPr>
+            <p:ph type="title"/>
+          </p:nvPr>
+        </p:nvSpPr>
         <p:spPr>
           <a:xfrm>
             <a:off x="395536" y="0"/>
@@ -4285,6 +5014,188 @@
           </a:ln>
         </p:spPr>
       </p:pic>
+    </p:spTree>
+  </p:cSld>
+  <p:clrMapOvr>
+    <a:masterClrMapping/>
+  </p:clrMapOvr>
+  <p:timing>
+    <p:tnLst>
+      <p:par>
+        <p:cTn id="1" dur="indefinite" restart="never" nodeType="tmRoot"/>
+      </p:par>
+    </p:tnLst>
+  </p:timing>
+</p:sld>
+</file>
+
+<file path=ppt/slides/slide9.xml><?xml version="1.0" encoding="utf-8"?>
+<p:sld xmlns:a="http://schemas.openxmlformats.org/drawingml/2006/main" xmlns:r="http://schemas.openxmlformats.org/officeDocument/2006/relationships" xmlns:p="http://schemas.openxmlformats.org/presentationml/2006/main">
+  <p:cSld>
+    <p:spTree>
+      <p:nvGrpSpPr>
+        <p:cNvPr id="1" name=""/>
+        <p:cNvGrpSpPr/>
+        <p:nvPr/>
+      </p:nvGrpSpPr>
+      <p:grpSpPr>
+        <a:xfrm>
+          <a:off x="0" y="0"/>
+          <a:ext cx="0" cy="0"/>
+          <a:chOff x="0" y="0"/>
+          <a:chExt cx="0" cy="0"/>
+        </a:xfrm>
+      </p:grpSpPr>
+      <p:pic>
+        <p:nvPicPr>
+          <p:cNvPr id="3074" name="Picture 2"/>
+          <p:cNvPicPr>
+            <a:picLocks noChangeAspect="1" noChangeArrowheads="1"/>
+          </p:cNvPicPr>
+          <p:nvPr/>
+        </p:nvPicPr>
+        <p:blipFill>
+          <a:blip r:embed="rId2" cstate="print"/>
+          <a:srcRect/>
+          <a:stretch>
+            <a:fillRect/>
+          </a:stretch>
+        </p:blipFill>
+        <p:spPr bwMode="auto">
+          <a:xfrm>
+            <a:off x="0" y="1124744"/>
+            <a:ext cx="9144000" cy="4686300"/>
+          </a:xfrm>
+          <a:prstGeom prst="rect">
+            <a:avLst/>
+          </a:prstGeom>
+          <a:noFill/>
+          <a:ln w="9525">
+            <a:noFill/>
+            <a:miter lim="800000"/>
+            <a:headEnd/>
+            <a:tailEnd/>
+          </a:ln>
+        </p:spPr>
+      </p:pic>
+      <p:sp>
+        <p:nvSpPr>
+          <p:cNvPr id="5" name="Tekstvak 4"/>
+          <p:cNvSpPr txBox="1"/>
+          <p:nvPr/>
+        </p:nvSpPr>
+        <p:spPr>
+          <a:xfrm>
+            <a:off x="1619672" y="548680"/>
+            <a:ext cx="2160240" cy="369332"/>
+          </a:xfrm>
+          <a:prstGeom prst="rect">
+            <a:avLst/>
+          </a:prstGeom>
+        </p:spPr>
+        <p:style>
+          <a:lnRef idx="2">
+            <a:schemeClr val="accent2"/>
+          </a:lnRef>
+          <a:fillRef idx="1">
+            <a:schemeClr val="lt1"/>
+          </a:fillRef>
+          <a:effectRef idx="0">
+            <a:schemeClr val="accent2"/>
+          </a:effectRef>
+          <a:fontRef idx="minor">
+            <a:schemeClr val="dk1"/>
+          </a:fontRef>
+        </p:style>
+        <p:txBody>
+          <a:bodyPr wrap="square" rtlCol="0">
+            <a:spAutoFit/>
+          </a:bodyPr>
+          <a:lstStyle/>
+          <a:p>
+            <a:r>
+              <a:rPr lang="nl-NL" b="1" dirty="0" smtClean="0">
+                <a:solidFill>
+                  <a:srgbClr val="FF0000"/>
+                </a:solidFill>
+              </a:rPr>
+              <a:t>Ideale situatie</a:t>
+            </a:r>
+            <a:endParaRPr lang="nl-NL" b="1" dirty="0">
+              <a:solidFill>
+                <a:srgbClr val="FF0000"/>
+              </a:solidFill>
+            </a:endParaRPr>
+          </a:p>
+        </p:txBody>
+      </p:sp>
+      <p:sp>
+        <p:nvSpPr>
+          <p:cNvPr id="8" name="Tekstvak 7"/>
+          <p:cNvSpPr txBox="1"/>
+          <p:nvPr/>
+        </p:nvSpPr>
+        <p:spPr>
+          <a:xfrm>
+            <a:off x="5940152" y="6021288"/>
+            <a:ext cx="2880320" cy="646331"/>
+          </a:xfrm>
+          <a:prstGeom prst="rect">
+            <a:avLst/>
+          </a:prstGeom>
+        </p:spPr>
+        <p:style>
+          <a:lnRef idx="2">
+            <a:schemeClr val="accent2"/>
+          </a:lnRef>
+          <a:fillRef idx="1">
+            <a:schemeClr val="lt1"/>
+          </a:fillRef>
+          <a:effectRef idx="0">
+            <a:schemeClr val="accent2"/>
+          </a:effectRef>
+          <a:fontRef idx="minor">
+            <a:schemeClr val="dk1"/>
+          </a:fontRef>
+        </p:style>
+        <p:txBody>
+          <a:bodyPr wrap="square" rtlCol="0">
+            <a:spAutoFit/>
+          </a:bodyPr>
+          <a:lstStyle/>
+          <a:p>
+            <a:r>
+              <a:rPr lang="nl-NL" b="1" dirty="0" smtClean="0">
+                <a:solidFill>
+                  <a:srgbClr val="FF0000"/>
+                </a:solidFill>
+              </a:rPr>
+              <a:t>Maar wat als de volgende positie </a:t>
+            </a:r>
+            <a:r>
+              <a:rPr lang="nl-NL" b="1" dirty="0" err="1" smtClean="0">
+                <a:solidFill>
+                  <a:srgbClr val="FF0000"/>
+                </a:solidFill>
+              </a:rPr>
+              <a:t>null</a:t>
+            </a:r>
+            <a:r>
+              <a:rPr lang="nl-NL" b="1" dirty="0" smtClean="0">
+                <a:solidFill>
+                  <a:srgbClr val="FF0000"/>
+                </a:solidFill>
+              </a:rPr>
+              <a:t> is?</a:t>
+            </a:r>
+            <a:endParaRPr lang="nl-NL" b="1" dirty="0">
+              <a:solidFill>
+                <a:srgbClr val="FF0000"/>
+              </a:solidFill>
+            </a:endParaRPr>
+          </a:p>
+        </p:txBody>
+      </p:sp>
     </p:spTree>
   </p:cSld>
   <p:clrMapOvr>

--- a/Goudkoorts_UML_Modeling/Presentatie/pres_modl3_eindopdracht.pptx
+++ b/Goudkoorts_UML_Modeling/Presentatie/pres_modl3_eindopdracht.pptx
@@ -13,11 +13,19 @@
     <p:sldId id="260" r:id="rId7"/>
     <p:sldId id="263" r:id="rId8"/>
     <p:sldId id="261" r:id="rId9"/>
-    <p:sldId id="265" r:id="rId10"/>
-    <p:sldId id="266" r:id="rId11"/>
-    <p:sldId id="267" r:id="rId12"/>
-    <p:sldId id="268" r:id="rId13"/>
-    <p:sldId id="264" r:id="rId14"/>
+    <p:sldId id="269" r:id="rId10"/>
+    <p:sldId id="265" r:id="rId11"/>
+    <p:sldId id="266" r:id="rId12"/>
+    <p:sldId id="267" r:id="rId13"/>
+    <p:sldId id="268" r:id="rId14"/>
+    <p:sldId id="264" r:id="rId15"/>
+    <p:sldId id="270" r:id="rId16"/>
+    <p:sldId id="271" r:id="rId17"/>
+    <p:sldId id="272" r:id="rId18"/>
+    <p:sldId id="273" r:id="rId19"/>
+    <p:sldId id="274" r:id="rId20"/>
+    <p:sldId id="275" r:id="rId21"/>
+    <p:sldId id="276" r:id="rId22"/>
   </p:sldIdLst>
   <p:sldSz cx="9144000" cy="6858000" type="screen4x3"/>
   <p:notesSz cx="6858000" cy="9144000"/>
@@ -303,7 +311,7 @@
               <a:pPr/>
               <a:t>2-11-2014</a:t>
             </a:fld>
-            <a:endParaRPr lang="nl-NL"/>
+            <a:endParaRPr lang="nl-NL" dirty="0"/>
           </a:p>
         </p:txBody>
       </p:sp>
@@ -322,7 +330,7 @@
           <a:bodyPr/>
           <a:lstStyle/>
           <a:p>
-            <a:endParaRPr lang="nl-NL"/>
+            <a:endParaRPr lang="nl-NL" dirty="0"/>
           </a:p>
         </p:txBody>
       </p:sp>
@@ -346,7 +354,7 @@
               <a:pPr/>
               <a:t>‹nr.›</a:t>
             </a:fld>
-            <a:endParaRPr lang="nl-NL"/>
+            <a:endParaRPr lang="nl-NL" dirty="0"/>
           </a:p>
         </p:txBody>
       </p:sp>
@@ -470,7 +478,7 @@
               <a:pPr/>
               <a:t>2-11-2014</a:t>
             </a:fld>
-            <a:endParaRPr lang="nl-NL"/>
+            <a:endParaRPr lang="nl-NL" dirty="0"/>
           </a:p>
         </p:txBody>
       </p:sp>
@@ -489,7 +497,7 @@
           <a:bodyPr/>
           <a:lstStyle/>
           <a:p>
-            <a:endParaRPr lang="nl-NL"/>
+            <a:endParaRPr lang="nl-NL" dirty="0"/>
           </a:p>
         </p:txBody>
       </p:sp>
@@ -513,7 +521,7 @@
               <a:pPr/>
               <a:t>‹nr.›</a:t>
             </a:fld>
-            <a:endParaRPr lang="nl-NL"/>
+            <a:endParaRPr lang="nl-NL" dirty="0"/>
           </a:p>
         </p:txBody>
       </p:sp>
@@ -647,7 +655,7 @@
               <a:pPr/>
               <a:t>2-11-2014</a:t>
             </a:fld>
-            <a:endParaRPr lang="nl-NL"/>
+            <a:endParaRPr lang="nl-NL" dirty="0"/>
           </a:p>
         </p:txBody>
       </p:sp>
@@ -666,7 +674,7 @@
           <a:bodyPr/>
           <a:lstStyle/>
           <a:p>
-            <a:endParaRPr lang="nl-NL"/>
+            <a:endParaRPr lang="nl-NL" dirty="0"/>
           </a:p>
         </p:txBody>
       </p:sp>
@@ -690,7 +698,7 @@
               <a:pPr/>
               <a:t>‹nr.›</a:t>
             </a:fld>
-            <a:endParaRPr lang="nl-NL"/>
+            <a:endParaRPr lang="nl-NL" dirty="0"/>
           </a:p>
         </p:txBody>
       </p:sp>
@@ -814,7 +822,7 @@
               <a:pPr/>
               <a:t>2-11-2014</a:t>
             </a:fld>
-            <a:endParaRPr lang="nl-NL"/>
+            <a:endParaRPr lang="nl-NL" dirty="0"/>
           </a:p>
         </p:txBody>
       </p:sp>
@@ -833,7 +841,7 @@
           <a:bodyPr/>
           <a:lstStyle/>
           <a:p>
-            <a:endParaRPr lang="nl-NL"/>
+            <a:endParaRPr lang="nl-NL" dirty="0"/>
           </a:p>
         </p:txBody>
       </p:sp>
@@ -857,7 +865,7 @@
               <a:pPr/>
               <a:t>‹nr.›</a:t>
             </a:fld>
-            <a:endParaRPr lang="nl-NL"/>
+            <a:endParaRPr lang="nl-NL" dirty="0"/>
           </a:p>
         </p:txBody>
       </p:sp>
@@ -1057,7 +1065,7 @@
               <a:pPr/>
               <a:t>2-11-2014</a:t>
             </a:fld>
-            <a:endParaRPr lang="nl-NL"/>
+            <a:endParaRPr lang="nl-NL" dirty="0"/>
           </a:p>
         </p:txBody>
       </p:sp>
@@ -1076,7 +1084,7 @@
           <a:bodyPr/>
           <a:lstStyle/>
           <a:p>
-            <a:endParaRPr lang="nl-NL"/>
+            <a:endParaRPr lang="nl-NL" dirty="0"/>
           </a:p>
         </p:txBody>
       </p:sp>
@@ -1100,7 +1108,7 @@
               <a:pPr/>
               <a:t>‹nr.›</a:t>
             </a:fld>
-            <a:endParaRPr lang="nl-NL"/>
+            <a:endParaRPr lang="nl-NL" dirty="0"/>
           </a:p>
         </p:txBody>
       </p:sp>
@@ -1342,7 +1350,7 @@
               <a:pPr/>
               <a:t>2-11-2014</a:t>
             </a:fld>
-            <a:endParaRPr lang="nl-NL"/>
+            <a:endParaRPr lang="nl-NL" dirty="0"/>
           </a:p>
         </p:txBody>
       </p:sp>
@@ -1361,7 +1369,7 @@
           <a:bodyPr/>
           <a:lstStyle/>
           <a:p>
-            <a:endParaRPr lang="nl-NL"/>
+            <a:endParaRPr lang="nl-NL" dirty="0"/>
           </a:p>
         </p:txBody>
       </p:sp>
@@ -1385,7 +1393,7 @@
               <a:pPr/>
               <a:t>‹nr.›</a:t>
             </a:fld>
-            <a:endParaRPr lang="nl-NL"/>
+            <a:endParaRPr lang="nl-NL" dirty="0"/>
           </a:p>
         </p:txBody>
       </p:sp>
@@ -1761,7 +1769,7 @@
               <a:pPr/>
               <a:t>2-11-2014</a:t>
             </a:fld>
-            <a:endParaRPr lang="nl-NL"/>
+            <a:endParaRPr lang="nl-NL" dirty="0"/>
           </a:p>
         </p:txBody>
       </p:sp>
@@ -1780,7 +1788,7 @@
           <a:bodyPr/>
           <a:lstStyle/>
           <a:p>
-            <a:endParaRPr lang="nl-NL"/>
+            <a:endParaRPr lang="nl-NL" dirty="0"/>
           </a:p>
         </p:txBody>
       </p:sp>
@@ -1804,7 +1812,7 @@
               <a:pPr/>
               <a:t>‹nr.›</a:t>
             </a:fld>
-            <a:endParaRPr lang="nl-NL"/>
+            <a:endParaRPr lang="nl-NL" dirty="0"/>
           </a:p>
         </p:txBody>
       </p:sp>
@@ -1876,7 +1884,7 @@
               <a:pPr/>
               <a:t>2-11-2014</a:t>
             </a:fld>
-            <a:endParaRPr lang="nl-NL"/>
+            <a:endParaRPr lang="nl-NL" dirty="0"/>
           </a:p>
         </p:txBody>
       </p:sp>
@@ -1895,7 +1903,7 @@
           <a:bodyPr/>
           <a:lstStyle/>
           <a:p>
-            <a:endParaRPr lang="nl-NL"/>
+            <a:endParaRPr lang="nl-NL" dirty="0"/>
           </a:p>
         </p:txBody>
       </p:sp>
@@ -1919,7 +1927,7 @@
               <a:pPr/>
               <a:t>‹nr.›</a:t>
             </a:fld>
-            <a:endParaRPr lang="nl-NL"/>
+            <a:endParaRPr lang="nl-NL" dirty="0"/>
           </a:p>
         </p:txBody>
       </p:sp>
@@ -1968,7 +1976,7 @@
               <a:pPr/>
               <a:t>2-11-2014</a:t>
             </a:fld>
-            <a:endParaRPr lang="nl-NL"/>
+            <a:endParaRPr lang="nl-NL" dirty="0"/>
           </a:p>
         </p:txBody>
       </p:sp>
@@ -1987,7 +1995,7 @@
           <a:bodyPr/>
           <a:lstStyle/>
           <a:p>
-            <a:endParaRPr lang="nl-NL"/>
+            <a:endParaRPr lang="nl-NL" dirty="0"/>
           </a:p>
         </p:txBody>
       </p:sp>
@@ -2011,7 +2019,7 @@
               <a:pPr/>
               <a:t>‹nr.›</a:t>
             </a:fld>
-            <a:endParaRPr lang="nl-NL"/>
+            <a:endParaRPr lang="nl-NL" dirty="0"/>
           </a:p>
         </p:txBody>
       </p:sp>
@@ -2242,7 +2250,7 @@
               <a:pPr/>
               <a:t>2-11-2014</a:t>
             </a:fld>
-            <a:endParaRPr lang="nl-NL"/>
+            <a:endParaRPr lang="nl-NL" dirty="0"/>
           </a:p>
         </p:txBody>
       </p:sp>
@@ -2261,7 +2269,7 @@
           <a:bodyPr/>
           <a:lstStyle/>
           <a:p>
-            <a:endParaRPr lang="nl-NL"/>
+            <a:endParaRPr lang="nl-NL" dirty="0"/>
           </a:p>
         </p:txBody>
       </p:sp>
@@ -2285,7 +2293,7 @@
               <a:pPr/>
               <a:t>‹nr.›</a:t>
             </a:fld>
-            <a:endParaRPr lang="nl-NL"/>
+            <a:endParaRPr lang="nl-NL" dirty="0"/>
           </a:p>
         </p:txBody>
       </p:sp>
@@ -2403,7 +2411,7 @@
             </a:lvl9pPr>
           </a:lstStyle>
           <a:p>
-            <a:endParaRPr lang="nl-NL"/>
+            <a:endParaRPr lang="nl-NL" dirty="0"/>
           </a:p>
         </p:txBody>
       </p:sp>
@@ -2492,7 +2500,7 @@
               <a:pPr/>
               <a:t>2-11-2014</a:t>
             </a:fld>
-            <a:endParaRPr lang="nl-NL"/>
+            <a:endParaRPr lang="nl-NL" dirty="0"/>
           </a:p>
         </p:txBody>
       </p:sp>
@@ -2511,7 +2519,7 @@
           <a:bodyPr/>
           <a:lstStyle/>
           <a:p>
-            <a:endParaRPr lang="nl-NL"/>
+            <a:endParaRPr lang="nl-NL" dirty="0"/>
           </a:p>
         </p:txBody>
       </p:sp>
@@ -2535,7 +2543,7 @@
               <a:pPr/>
               <a:t>‹nr.›</a:t>
             </a:fld>
-            <a:endParaRPr lang="nl-NL"/>
+            <a:endParaRPr lang="nl-NL" dirty="0"/>
           </a:p>
         </p:txBody>
       </p:sp>
@@ -2702,7 +2710,7 @@
               <a:pPr/>
               <a:t>2-11-2014</a:t>
             </a:fld>
-            <a:endParaRPr lang="nl-NL"/>
+            <a:endParaRPr lang="nl-NL" dirty="0"/>
           </a:p>
         </p:txBody>
       </p:sp>
@@ -2739,7 +2747,7 @@
             </a:lvl1pPr>
           </a:lstStyle>
           <a:p>
-            <a:endParaRPr lang="nl-NL"/>
+            <a:endParaRPr lang="nl-NL" dirty="0"/>
           </a:p>
         </p:txBody>
       </p:sp>
@@ -2781,7 +2789,7 @@
               <a:pPr/>
               <a:t>‹nr.›</a:t>
             </a:fld>
-            <a:endParaRPr lang="nl-NL"/>
+            <a:endParaRPr lang="nl-NL" dirty="0"/>
           </a:p>
         </p:txBody>
       </p:sp>
@@ -3316,6 +3324,188 @@
       </p:grpSpPr>
       <p:pic>
         <p:nvPicPr>
+          <p:cNvPr id="3074" name="Picture 2"/>
+          <p:cNvPicPr>
+            <a:picLocks noChangeAspect="1" noChangeArrowheads="1"/>
+          </p:cNvPicPr>
+          <p:nvPr/>
+        </p:nvPicPr>
+        <p:blipFill>
+          <a:blip r:embed="rId2" cstate="print"/>
+          <a:srcRect/>
+          <a:stretch>
+            <a:fillRect/>
+          </a:stretch>
+        </p:blipFill>
+        <p:spPr bwMode="auto">
+          <a:xfrm>
+            <a:off x="0" y="1124744"/>
+            <a:ext cx="9144000" cy="4686300"/>
+          </a:xfrm>
+          <a:prstGeom prst="rect">
+            <a:avLst/>
+          </a:prstGeom>
+          <a:noFill/>
+          <a:ln w="9525">
+            <a:noFill/>
+            <a:miter lim="800000"/>
+            <a:headEnd/>
+            <a:tailEnd/>
+          </a:ln>
+        </p:spPr>
+      </p:pic>
+      <p:sp>
+        <p:nvSpPr>
+          <p:cNvPr id="5" name="Tekstvak 4"/>
+          <p:cNvSpPr txBox="1"/>
+          <p:nvPr/>
+        </p:nvSpPr>
+        <p:spPr>
+          <a:xfrm>
+            <a:off x="1619672" y="548680"/>
+            <a:ext cx="2160240" cy="369332"/>
+          </a:xfrm>
+          <a:prstGeom prst="rect">
+            <a:avLst/>
+          </a:prstGeom>
+        </p:spPr>
+        <p:style>
+          <a:lnRef idx="2">
+            <a:schemeClr val="accent2"/>
+          </a:lnRef>
+          <a:fillRef idx="1">
+            <a:schemeClr val="lt1"/>
+          </a:fillRef>
+          <a:effectRef idx="0">
+            <a:schemeClr val="accent2"/>
+          </a:effectRef>
+          <a:fontRef idx="minor">
+            <a:schemeClr val="dk1"/>
+          </a:fontRef>
+        </p:style>
+        <p:txBody>
+          <a:bodyPr wrap="square" rtlCol="0">
+            <a:spAutoFit/>
+          </a:bodyPr>
+          <a:lstStyle/>
+          <a:p>
+            <a:r>
+              <a:rPr lang="nl-NL" b="1" dirty="0" smtClean="0">
+                <a:solidFill>
+                  <a:srgbClr val="FF0000"/>
+                </a:solidFill>
+              </a:rPr>
+              <a:t>Ideale situatie</a:t>
+            </a:r>
+            <a:endParaRPr lang="nl-NL" b="1" dirty="0">
+              <a:solidFill>
+                <a:srgbClr val="FF0000"/>
+              </a:solidFill>
+            </a:endParaRPr>
+          </a:p>
+        </p:txBody>
+      </p:sp>
+      <p:sp>
+        <p:nvSpPr>
+          <p:cNvPr id="8" name="Tekstvak 7"/>
+          <p:cNvSpPr txBox="1"/>
+          <p:nvPr/>
+        </p:nvSpPr>
+        <p:spPr>
+          <a:xfrm>
+            <a:off x="5940152" y="6021288"/>
+            <a:ext cx="2880320" cy="646331"/>
+          </a:xfrm>
+          <a:prstGeom prst="rect">
+            <a:avLst/>
+          </a:prstGeom>
+        </p:spPr>
+        <p:style>
+          <a:lnRef idx="2">
+            <a:schemeClr val="accent2"/>
+          </a:lnRef>
+          <a:fillRef idx="1">
+            <a:schemeClr val="lt1"/>
+          </a:fillRef>
+          <a:effectRef idx="0">
+            <a:schemeClr val="accent2"/>
+          </a:effectRef>
+          <a:fontRef idx="minor">
+            <a:schemeClr val="dk1"/>
+          </a:fontRef>
+        </p:style>
+        <p:txBody>
+          <a:bodyPr wrap="square" rtlCol="0">
+            <a:spAutoFit/>
+          </a:bodyPr>
+          <a:lstStyle/>
+          <a:p>
+            <a:r>
+              <a:rPr lang="nl-NL" b="1" dirty="0" smtClean="0">
+                <a:solidFill>
+                  <a:srgbClr val="FF0000"/>
+                </a:solidFill>
+              </a:rPr>
+              <a:t>Maar wat als de volgende positie </a:t>
+            </a:r>
+            <a:r>
+              <a:rPr lang="nl-NL" b="1" dirty="0" err="1" smtClean="0">
+                <a:solidFill>
+                  <a:srgbClr val="FF0000"/>
+                </a:solidFill>
+              </a:rPr>
+              <a:t>null</a:t>
+            </a:r>
+            <a:r>
+              <a:rPr lang="nl-NL" b="1" dirty="0" smtClean="0">
+                <a:solidFill>
+                  <a:srgbClr val="FF0000"/>
+                </a:solidFill>
+              </a:rPr>
+              <a:t> is?</a:t>
+            </a:r>
+            <a:endParaRPr lang="nl-NL" b="1" dirty="0">
+              <a:solidFill>
+                <a:srgbClr val="FF0000"/>
+              </a:solidFill>
+            </a:endParaRPr>
+          </a:p>
+        </p:txBody>
+      </p:sp>
+    </p:spTree>
+  </p:cSld>
+  <p:clrMapOvr>
+    <a:masterClrMapping/>
+  </p:clrMapOvr>
+  <p:timing>
+    <p:tnLst>
+      <p:par>
+        <p:cTn id="1" dur="indefinite" restart="never" nodeType="tmRoot"/>
+      </p:par>
+    </p:tnLst>
+  </p:timing>
+</p:sld>
+</file>
+
+<file path=ppt/slides/slide11.xml><?xml version="1.0" encoding="utf-8"?>
+<p:sld xmlns:a="http://schemas.openxmlformats.org/drawingml/2006/main" xmlns:r="http://schemas.openxmlformats.org/officeDocument/2006/relationships" xmlns:p="http://schemas.openxmlformats.org/presentationml/2006/main">
+  <p:cSld>
+    <p:spTree>
+      <p:nvGrpSpPr>
+        <p:cNvPr id="1" name=""/>
+        <p:cNvGrpSpPr/>
+        <p:nvPr/>
+      </p:nvGrpSpPr>
+      <p:grpSpPr>
+        <a:xfrm>
+          <a:off x="0" y="0"/>
+          <a:ext cx="0" cy="0"/>
+          <a:chOff x="0" y="0"/>
+          <a:chExt cx="0" cy="0"/>
+        </a:xfrm>
+      </p:grpSpPr>
+      <p:pic>
+        <p:nvPicPr>
           <p:cNvPr id="4098" name="Picture 2"/>
           <p:cNvPicPr>
             <a:picLocks noChangeAspect="1" noChangeArrowheads="1"/>
@@ -3484,10 +3674,17 @@
   <p:clrMapOvr>
     <a:masterClrMapping/>
   </p:clrMapOvr>
+  <p:timing>
+    <p:tnLst>
+      <p:par>
+        <p:cTn id="1" dur="indefinite" restart="never" nodeType="tmRoot"/>
+      </p:par>
+    </p:tnLst>
+  </p:timing>
 </p:sld>
 </file>
 
-<file path=ppt/slides/slide11.xml><?xml version="1.0" encoding="utf-8"?>
+<file path=ppt/slides/slide12.xml><?xml version="1.0" encoding="utf-8"?>
 <p:sld xmlns:a="http://schemas.openxmlformats.org/drawingml/2006/main" xmlns:r="http://schemas.openxmlformats.org/officeDocument/2006/relationships" xmlns:p="http://schemas.openxmlformats.org/presentationml/2006/main">
   <p:cSld>
     <p:spTree>
@@ -3669,15 +3866,54 @@
           </a:p>
         </p:txBody>
       </p:sp>
+      <p:pic>
+        <p:nvPicPr>
+          <p:cNvPr id="10241" name="Picture 1"/>
+          <p:cNvPicPr>
+            <a:picLocks noChangeAspect="1" noChangeArrowheads="1"/>
+          </p:cNvPicPr>
+          <p:nvPr/>
+        </p:nvPicPr>
+        <p:blipFill>
+          <a:blip r:embed="rId3" cstate="print"/>
+          <a:srcRect/>
+          <a:stretch>
+            <a:fillRect/>
+          </a:stretch>
+        </p:blipFill>
+        <p:spPr bwMode="auto">
+          <a:xfrm>
+            <a:off x="7572375" y="0"/>
+            <a:ext cx="1571625" cy="2019300"/>
+          </a:xfrm>
+          <a:prstGeom prst="rect">
+            <a:avLst/>
+          </a:prstGeom>
+          <a:noFill/>
+          <a:ln w="9525">
+            <a:noFill/>
+            <a:miter lim="800000"/>
+            <a:headEnd/>
+            <a:tailEnd/>
+          </a:ln>
+        </p:spPr>
+      </p:pic>
     </p:spTree>
   </p:cSld>
   <p:clrMapOvr>
     <a:masterClrMapping/>
   </p:clrMapOvr>
+  <p:timing>
+    <p:tnLst>
+      <p:par>
+        <p:cTn id="1" dur="indefinite" restart="never" nodeType="tmRoot"/>
+      </p:par>
+    </p:tnLst>
+  </p:timing>
 </p:sld>
 </file>
 
-<file path=ppt/slides/slide12.xml><?xml version="1.0" encoding="utf-8"?>
+<file path=ppt/slides/slide13.xml><?xml version="1.0" encoding="utf-8"?>
 <p:sld xmlns:a="http://schemas.openxmlformats.org/drawingml/2006/main" xmlns:r="http://schemas.openxmlformats.org/officeDocument/2006/relationships" xmlns:p="http://schemas.openxmlformats.org/presentationml/2006/main">
   <p:cSld>
     <p:spTree>
@@ -3829,10 +4065,17 @@
   <p:clrMapOvr>
     <a:masterClrMapping/>
   </p:clrMapOvr>
+  <p:timing>
+    <p:tnLst>
+      <p:par>
+        <p:cTn id="1" dur="indefinite" restart="never" nodeType="tmRoot"/>
+      </p:par>
+    </p:tnLst>
+  </p:timing>
 </p:sld>
 </file>
 
-<file path=ppt/slides/slide13.xml><?xml version="1.0" encoding="utf-8"?>
+<file path=ppt/slides/slide14.xml><?xml version="1.0" encoding="utf-8"?>
 <p:sld xmlns:a="http://schemas.openxmlformats.org/drawingml/2006/main" xmlns:r="http://schemas.openxmlformats.org/officeDocument/2006/relationships" xmlns:p="http://schemas.openxmlformats.org/presentationml/2006/main">
   <p:cSld>
     <p:spTree>
@@ -3879,6 +4122,554 @@
             <a:headEnd/>
             <a:tailEnd/>
           </a:ln>
+        </p:spPr>
+      </p:pic>
+    </p:spTree>
+  </p:cSld>
+  <p:clrMapOvr>
+    <a:masterClrMapping/>
+  </p:clrMapOvr>
+  <p:timing>
+    <p:tnLst>
+      <p:par>
+        <p:cTn id="1" dur="indefinite" restart="never" nodeType="tmRoot"/>
+      </p:par>
+    </p:tnLst>
+  </p:timing>
+</p:sld>
+</file>
+
+<file path=ppt/slides/slide15.xml><?xml version="1.0" encoding="utf-8"?>
+<p:sld xmlns:a="http://schemas.openxmlformats.org/drawingml/2006/main" xmlns:r="http://schemas.openxmlformats.org/officeDocument/2006/relationships" xmlns:p="http://schemas.openxmlformats.org/presentationml/2006/main">
+  <p:cSld>
+    <p:spTree>
+      <p:nvGrpSpPr>
+        <p:cNvPr id="1" name=""/>
+        <p:cNvGrpSpPr/>
+        <p:nvPr/>
+      </p:nvGrpSpPr>
+      <p:grpSpPr>
+        <a:xfrm>
+          <a:off x="0" y="0"/>
+          <a:ext cx="0" cy="0"/>
+          <a:chOff x="0" y="0"/>
+          <a:chExt cx="0" cy="0"/>
+        </a:xfrm>
+      </p:grpSpPr>
+      <p:pic>
+        <p:nvPicPr>
+          <p:cNvPr id="4" name="Tijdelijke aanduiding voor inhoud 3" descr="image (1).png"/>
+          <p:cNvPicPr>
+            <a:picLocks noGrp="1" noChangeAspect="1"/>
+          </p:cNvPicPr>
+          <p:nvPr>
+            <p:ph idx="1"/>
+          </p:nvPr>
+        </p:nvPicPr>
+        <p:blipFill>
+          <a:blip r:embed="rId2" cstate="print"/>
+          <a:stretch>
+            <a:fillRect/>
+          </a:stretch>
+        </p:blipFill>
+        <p:spPr>
+          <a:xfrm>
+            <a:off x="4006816" y="0"/>
+            <a:ext cx="4165584" cy="6545918"/>
+          </a:xfrm>
+        </p:spPr>
+      </p:pic>
+      <p:sp>
+        <p:nvSpPr>
+          <p:cNvPr id="6" name="Tekstvak 5"/>
+          <p:cNvSpPr txBox="1"/>
+          <p:nvPr/>
+        </p:nvSpPr>
+        <p:spPr>
+          <a:xfrm>
+            <a:off x="755576" y="692696"/>
+            <a:ext cx="2160240" cy="646331"/>
+          </a:xfrm>
+          <a:prstGeom prst="rect">
+            <a:avLst/>
+          </a:prstGeom>
+        </p:spPr>
+        <p:style>
+          <a:lnRef idx="2">
+            <a:schemeClr val="accent2"/>
+          </a:lnRef>
+          <a:fillRef idx="1">
+            <a:schemeClr val="lt1"/>
+          </a:fillRef>
+          <a:effectRef idx="0">
+            <a:schemeClr val="accent2"/>
+          </a:effectRef>
+          <a:fontRef idx="minor">
+            <a:schemeClr val="dk1"/>
+          </a:fontRef>
+        </p:style>
+        <p:txBody>
+          <a:bodyPr wrap="square" rtlCol="0">
+            <a:spAutoFit/>
+          </a:bodyPr>
+          <a:lstStyle/>
+          <a:p>
+            <a:r>
+              <a:rPr lang="nl-NL" b="1" dirty="0" smtClean="0">
+                <a:solidFill>
+                  <a:srgbClr val="FF0000"/>
+                </a:solidFill>
+              </a:rPr>
+              <a:t>Controller </a:t>
+            </a:r>
+            <a:r>
+              <a:rPr lang="nl-NL" b="1" dirty="0" err="1" smtClean="0">
+                <a:solidFill>
+                  <a:srgbClr val="FF0000"/>
+                </a:solidFill>
+              </a:rPr>
+              <a:t>Mainloop</a:t>
+            </a:r>
+            <a:r>
+              <a:rPr lang="nl-NL" b="1" dirty="0" smtClean="0">
+                <a:solidFill>
+                  <a:srgbClr val="FF0000"/>
+                </a:solidFill>
+              </a:rPr>
+              <a:t> (input)</a:t>
+            </a:r>
+            <a:endParaRPr lang="nl-NL" b="1" dirty="0">
+              <a:solidFill>
+                <a:srgbClr val="FF0000"/>
+              </a:solidFill>
+            </a:endParaRPr>
+          </a:p>
+        </p:txBody>
+      </p:sp>
+    </p:spTree>
+  </p:cSld>
+  <p:clrMapOvr>
+    <a:masterClrMapping/>
+  </p:clrMapOvr>
+  <p:timing>
+    <p:tnLst>
+      <p:par>
+        <p:cTn id="1" dur="indefinite" restart="never" nodeType="tmRoot"/>
+      </p:par>
+    </p:tnLst>
+  </p:timing>
+</p:sld>
+</file>
+
+<file path=ppt/slides/slide16.xml><?xml version="1.0" encoding="utf-8"?>
+<p:sld xmlns:a="http://schemas.openxmlformats.org/drawingml/2006/main" xmlns:r="http://schemas.openxmlformats.org/officeDocument/2006/relationships" xmlns:p="http://schemas.openxmlformats.org/presentationml/2006/main">
+  <p:cSld>
+    <p:spTree>
+      <p:nvGrpSpPr>
+        <p:cNvPr id="1" name=""/>
+        <p:cNvGrpSpPr/>
+        <p:nvPr/>
+      </p:nvGrpSpPr>
+      <p:grpSpPr>
+        <a:xfrm>
+          <a:off x="0" y="0"/>
+          <a:ext cx="0" cy="0"/>
+          <a:chOff x="0" y="0"/>
+          <a:chExt cx="0" cy="0"/>
+        </a:xfrm>
+      </p:grpSpPr>
+      <p:sp>
+        <p:nvSpPr>
+          <p:cNvPr id="4" name="Tekstvak 3"/>
+          <p:cNvSpPr txBox="1"/>
+          <p:nvPr/>
+        </p:nvSpPr>
+        <p:spPr>
+          <a:xfrm>
+            <a:off x="467544" y="404664"/>
+            <a:ext cx="3672408" cy="646331"/>
+          </a:xfrm>
+          <a:prstGeom prst="rect">
+            <a:avLst/>
+          </a:prstGeom>
+        </p:spPr>
+        <p:style>
+          <a:lnRef idx="2">
+            <a:schemeClr val="accent2"/>
+          </a:lnRef>
+          <a:fillRef idx="1">
+            <a:schemeClr val="lt1"/>
+          </a:fillRef>
+          <a:effectRef idx="0">
+            <a:schemeClr val="accent2"/>
+          </a:effectRef>
+          <a:fontRef idx="minor">
+            <a:schemeClr val="dk1"/>
+          </a:fontRef>
+        </p:style>
+        <p:txBody>
+          <a:bodyPr wrap="square" rtlCol="0">
+            <a:spAutoFit/>
+          </a:bodyPr>
+          <a:lstStyle/>
+          <a:p>
+            <a:r>
+              <a:rPr lang="nl-NL" b="1" dirty="0" smtClean="0">
+                <a:solidFill>
+                  <a:srgbClr val="FF0000"/>
+                </a:solidFill>
+              </a:rPr>
+              <a:t>Logica Controller (Timer, Random, tekenen)</a:t>
+            </a:r>
+            <a:endParaRPr lang="nl-NL" b="1" dirty="0">
+              <a:solidFill>
+                <a:srgbClr val="FF0000"/>
+              </a:solidFill>
+            </a:endParaRPr>
+          </a:p>
+        </p:txBody>
+      </p:sp>
+      <p:pic>
+        <p:nvPicPr>
+          <p:cNvPr id="5" name="Afbeelding 4" descr="image (2).png"/>
+          <p:cNvPicPr>
+            <a:picLocks noChangeAspect="1"/>
+          </p:cNvPicPr>
+          <p:nvPr/>
+        </p:nvPicPr>
+        <p:blipFill>
+          <a:blip r:embed="rId2" cstate="print"/>
+          <a:stretch>
+            <a:fillRect/>
+          </a:stretch>
+        </p:blipFill>
+        <p:spPr>
+          <a:xfrm>
+            <a:off x="1838325" y="1196752"/>
+            <a:ext cx="7305675" cy="5276850"/>
+          </a:xfrm>
+          <a:prstGeom prst="rect">
+            <a:avLst/>
+          </a:prstGeom>
+        </p:spPr>
+      </p:pic>
+    </p:spTree>
+  </p:cSld>
+  <p:clrMapOvr>
+    <a:masterClrMapping/>
+  </p:clrMapOvr>
+  <p:timing>
+    <p:tnLst>
+      <p:par>
+        <p:cTn id="1" dur="indefinite" restart="never" nodeType="tmRoot"/>
+      </p:par>
+    </p:tnLst>
+  </p:timing>
+</p:sld>
+</file>
+
+<file path=ppt/slides/slide17.xml><?xml version="1.0" encoding="utf-8"?>
+<p:sld xmlns:a="http://schemas.openxmlformats.org/drawingml/2006/main" xmlns:r="http://schemas.openxmlformats.org/officeDocument/2006/relationships" xmlns:p="http://schemas.openxmlformats.org/presentationml/2006/main">
+  <p:cSld>
+    <p:spTree>
+      <p:nvGrpSpPr>
+        <p:cNvPr id="1" name=""/>
+        <p:cNvGrpSpPr/>
+        <p:nvPr/>
+      </p:nvGrpSpPr>
+      <p:grpSpPr>
+        <a:xfrm>
+          <a:off x="0" y="0"/>
+          <a:ext cx="0" cy="0"/>
+          <a:chOff x="0" y="0"/>
+          <a:chExt cx="0" cy="0"/>
+        </a:xfrm>
+      </p:grpSpPr>
+      <p:pic>
+        <p:nvPicPr>
+          <p:cNvPr id="4" name="Tijdelijke aanduiding voor inhoud 3" descr="image (3).png"/>
+          <p:cNvPicPr>
+            <a:picLocks noGrp="1" noChangeAspect="1"/>
+          </p:cNvPicPr>
+          <p:nvPr>
+            <p:ph idx="1"/>
+          </p:nvPr>
+        </p:nvPicPr>
+        <p:blipFill>
+          <a:blip r:embed="rId2" cstate="print"/>
+          <a:stretch>
+            <a:fillRect/>
+          </a:stretch>
+        </p:blipFill>
+        <p:spPr>
+          <a:xfrm>
+            <a:off x="395536" y="908720"/>
+            <a:ext cx="7305675" cy="3971925"/>
+          </a:xfrm>
+        </p:spPr>
+      </p:pic>
+      <p:sp>
+        <p:nvSpPr>
+          <p:cNvPr id="5" name="Tekstvak 4"/>
+          <p:cNvSpPr txBox="1"/>
+          <p:nvPr/>
+        </p:nvSpPr>
+        <p:spPr>
+          <a:xfrm>
+            <a:off x="467544" y="404664"/>
+            <a:ext cx="4104456" cy="369332"/>
+          </a:xfrm>
+          <a:prstGeom prst="rect">
+            <a:avLst/>
+          </a:prstGeom>
+        </p:spPr>
+        <p:style>
+          <a:lnRef idx="2">
+            <a:schemeClr val="accent2"/>
+          </a:lnRef>
+          <a:fillRef idx="1">
+            <a:schemeClr val="lt1"/>
+          </a:fillRef>
+          <a:effectRef idx="0">
+            <a:schemeClr val="accent2"/>
+          </a:effectRef>
+          <a:fontRef idx="minor">
+            <a:schemeClr val="dk1"/>
+          </a:fontRef>
+        </p:style>
+        <p:txBody>
+          <a:bodyPr wrap="square" rtlCol="0">
+            <a:spAutoFit/>
+          </a:bodyPr>
+          <a:lstStyle/>
+          <a:p>
+            <a:r>
+              <a:rPr lang="nl-NL" b="1" dirty="0" smtClean="0">
+                <a:solidFill>
+                  <a:srgbClr val="FF0000"/>
+                </a:solidFill>
+              </a:rPr>
+              <a:t>Logica Controller (Karretjes verplaatsen)</a:t>
+            </a:r>
+            <a:endParaRPr lang="nl-NL" b="1" dirty="0">
+              <a:solidFill>
+                <a:srgbClr val="FF0000"/>
+              </a:solidFill>
+            </a:endParaRPr>
+          </a:p>
+        </p:txBody>
+      </p:sp>
+    </p:spTree>
+  </p:cSld>
+  <p:clrMapOvr>
+    <a:masterClrMapping/>
+  </p:clrMapOvr>
+  <p:timing>
+    <p:tnLst>
+      <p:par>
+        <p:cTn id="1" dur="indefinite" restart="never" nodeType="tmRoot"/>
+      </p:par>
+    </p:tnLst>
+  </p:timing>
+</p:sld>
+</file>
+
+<file path=ppt/slides/slide18.xml><?xml version="1.0" encoding="utf-8"?>
+<p:sld xmlns:a="http://schemas.openxmlformats.org/drawingml/2006/main" xmlns:r="http://schemas.openxmlformats.org/officeDocument/2006/relationships" xmlns:p="http://schemas.openxmlformats.org/presentationml/2006/main">
+  <p:cSld>
+    <p:spTree>
+      <p:nvGrpSpPr>
+        <p:cNvPr id="1" name=""/>
+        <p:cNvGrpSpPr/>
+        <p:nvPr/>
+      </p:nvGrpSpPr>
+      <p:grpSpPr>
+        <a:xfrm>
+          <a:off x="0" y="0"/>
+          <a:ext cx="0" cy="0"/>
+          <a:chOff x="0" y="0"/>
+          <a:chExt cx="0" cy="0"/>
+        </a:xfrm>
+      </p:grpSpPr>
+      <p:pic>
+        <p:nvPicPr>
+          <p:cNvPr id="5" name="Tijdelijke aanduiding voor inhoud 4" descr="image (5).png"/>
+          <p:cNvPicPr>
+            <a:picLocks noGrp="1" noChangeAspect="1"/>
+          </p:cNvPicPr>
+          <p:nvPr>
+            <p:ph idx="1"/>
+          </p:nvPr>
+        </p:nvPicPr>
+        <p:blipFill>
+          <a:blip r:embed="rId2" cstate="print"/>
+          <a:stretch>
+            <a:fillRect/>
+          </a:stretch>
+        </p:blipFill>
+        <p:spPr>
+          <a:xfrm>
+            <a:off x="611560" y="1628800"/>
+            <a:ext cx="8197173" cy="4392488"/>
+          </a:xfrm>
+        </p:spPr>
+      </p:pic>
+      <p:sp>
+        <p:nvSpPr>
+          <p:cNvPr id="4" name="Tekstvak 3"/>
+          <p:cNvSpPr txBox="1"/>
+          <p:nvPr/>
+        </p:nvSpPr>
+        <p:spPr>
+          <a:xfrm>
+            <a:off x="467544" y="404664"/>
+            <a:ext cx="3672408" cy="646331"/>
+          </a:xfrm>
+          <a:prstGeom prst="rect">
+            <a:avLst/>
+          </a:prstGeom>
+        </p:spPr>
+        <p:style>
+          <a:lnRef idx="2">
+            <a:schemeClr val="accent2"/>
+          </a:lnRef>
+          <a:fillRef idx="1">
+            <a:schemeClr val="lt1"/>
+          </a:fillRef>
+          <a:effectRef idx="0">
+            <a:schemeClr val="accent2"/>
+          </a:effectRef>
+          <a:fontRef idx="minor">
+            <a:schemeClr val="dk1"/>
+          </a:fontRef>
+        </p:style>
+        <p:txBody>
+          <a:bodyPr wrap="square" rtlCol="0">
+            <a:spAutoFit/>
+          </a:bodyPr>
+          <a:lstStyle/>
+          <a:p>
+            <a:r>
+              <a:rPr lang="nl-NL" b="1" dirty="0" smtClean="0">
+                <a:solidFill>
+                  <a:srgbClr val="FF0000"/>
+                </a:solidFill>
+              </a:rPr>
+              <a:t>Logica Controller (Wat gebeurt er als karretjes botsen)</a:t>
+            </a:r>
+            <a:endParaRPr lang="nl-NL" b="1" dirty="0">
+              <a:solidFill>
+                <a:srgbClr val="FF0000"/>
+              </a:solidFill>
+            </a:endParaRPr>
+          </a:p>
+        </p:txBody>
+      </p:sp>
+    </p:spTree>
+  </p:cSld>
+  <p:clrMapOvr>
+    <a:masterClrMapping/>
+  </p:clrMapOvr>
+  <p:timing>
+    <p:tnLst>
+      <p:par>
+        <p:cTn id="1" dur="indefinite" restart="never" nodeType="tmRoot"/>
+      </p:par>
+    </p:tnLst>
+  </p:timing>
+</p:sld>
+</file>
+
+<file path=ppt/slides/slide19.xml><?xml version="1.0" encoding="utf-8"?>
+<p:sld xmlns:a="http://schemas.openxmlformats.org/drawingml/2006/main" xmlns:r="http://schemas.openxmlformats.org/officeDocument/2006/relationships" xmlns:p="http://schemas.openxmlformats.org/presentationml/2006/main">
+  <p:cSld>
+    <p:spTree>
+      <p:nvGrpSpPr>
+        <p:cNvPr id="1" name=""/>
+        <p:cNvGrpSpPr/>
+        <p:nvPr/>
+      </p:nvGrpSpPr>
+      <p:grpSpPr>
+        <a:xfrm>
+          <a:off x="0" y="0"/>
+          <a:ext cx="0" cy="0"/>
+          <a:chOff x="0" y="0"/>
+          <a:chExt cx="0" cy="0"/>
+        </a:xfrm>
+      </p:grpSpPr>
+      <p:sp>
+        <p:nvSpPr>
+          <p:cNvPr id="4" name="Tekstvak 3"/>
+          <p:cNvSpPr txBox="1"/>
+          <p:nvPr/>
+        </p:nvSpPr>
+        <p:spPr>
+          <a:xfrm>
+            <a:off x="467544" y="404664"/>
+            <a:ext cx="3672408" cy="646331"/>
+          </a:xfrm>
+          <a:prstGeom prst="rect">
+            <a:avLst/>
+          </a:prstGeom>
+        </p:spPr>
+        <p:style>
+          <a:lnRef idx="2">
+            <a:schemeClr val="accent2"/>
+          </a:lnRef>
+          <a:fillRef idx="1">
+            <a:schemeClr val="lt1"/>
+          </a:fillRef>
+          <a:effectRef idx="0">
+            <a:schemeClr val="accent2"/>
+          </a:effectRef>
+          <a:fontRef idx="minor">
+            <a:schemeClr val="dk1"/>
+          </a:fontRef>
+        </p:style>
+        <p:txBody>
+          <a:bodyPr wrap="square" rtlCol="0">
+            <a:spAutoFit/>
+          </a:bodyPr>
+          <a:lstStyle/>
+          <a:p>
+            <a:r>
+              <a:rPr lang="nl-NL" b="1" dirty="0" smtClean="0">
+                <a:solidFill>
+                  <a:srgbClr val="FF0000"/>
+                </a:solidFill>
+              </a:rPr>
+              <a:t>Logica Controller (Tekenen van het spel)</a:t>
+            </a:r>
+            <a:endParaRPr lang="nl-NL" b="1" dirty="0">
+              <a:solidFill>
+                <a:srgbClr val="FF0000"/>
+              </a:solidFill>
+            </a:endParaRPr>
+          </a:p>
+        </p:txBody>
+      </p:sp>
+      <p:pic>
+        <p:nvPicPr>
+          <p:cNvPr id="5" name="Afbeelding 4" descr="image (6).png"/>
+          <p:cNvPicPr>
+            <a:picLocks noChangeAspect="1"/>
+          </p:cNvPicPr>
+          <p:nvPr/>
+        </p:nvPicPr>
+        <p:blipFill>
+          <a:blip r:embed="rId2" cstate="print"/>
+          <a:stretch>
+            <a:fillRect/>
+          </a:stretch>
+        </p:blipFill>
+        <p:spPr>
+          <a:xfrm>
+            <a:off x="539552" y="1772816"/>
+            <a:ext cx="8296232" cy="3855690"/>
+          </a:xfrm>
+          <a:prstGeom prst="rect">
+            <a:avLst/>
+          </a:prstGeom>
         </p:spPr>
       </p:pic>
     </p:spTree>
@@ -3972,6 +4763,170 @@
           </a:ln>
         </p:spPr>
       </p:pic>
+    </p:spTree>
+  </p:cSld>
+  <p:clrMapOvr>
+    <a:masterClrMapping/>
+  </p:clrMapOvr>
+  <p:timing>
+    <p:tnLst>
+      <p:par>
+        <p:cTn id="1" dur="indefinite" restart="never" nodeType="tmRoot"/>
+      </p:par>
+    </p:tnLst>
+  </p:timing>
+</p:sld>
+</file>
+
+<file path=ppt/slides/slide20.xml><?xml version="1.0" encoding="utf-8"?>
+<p:sld xmlns:a="http://schemas.openxmlformats.org/drawingml/2006/main" xmlns:r="http://schemas.openxmlformats.org/officeDocument/2006/relationships" xmlns:p="http://schemas.openxmlformats.org/presentationml/2006/main">
+  <p:cSld>
+    <p:spTree>
+      <p:nvGrpSpPr>
+        <p:cNvPr id="1" name=""/>
+        <p:cNvGrpSpPr/>
+        <p:nvPr/>
+      </p:nvGrpSpPr>
+      <p:grpSpPr>
+        <a:xfrm>
+          <a:off x="0" y="0"/>
+          <a:ext cx="0" cy="0"/>
+          <a:chOff x="0" y="0"/>
+          <a:chExt cx="0" cy="0"/>
+        </a:xfrm>
+      </p:grpSpPr>
+      <p:sp>
+        <p:nvSpPr>
+          <p:cNvPr id="2" name="Titel 1"/>
+          <p:cNvSpPr>
+            <a:spLocks noGrp="1"/>
+          </p:cNvSpPr>
+          <p:nvPr>
+            <p:ph type="title"/>
+          </p:nvPr>
+        </p:nvSpPr>
+        <p:spPr/>
+        <p:txBody>
+          <a:bodyPr/>
+          <a:lstStyle/>
+          <a:p>
+            <a:r>
+              <a:rPr lang="nl-NL" dirty="0" smtClean="0"/>
+              <a:t>Codemap</a:t>
+            </a:r>
+            <a:endParaRPr lang="nl-NL" dirty="0"/>
+          </a:p>
+        </p:txBody>
+      </p:sp>
+      <p:sp>
+        <p:nvSpPr>
+          <p:cNvPr id="1026" name="AutoShape 2" descr="Inline afbeelding 1"/>
+          <p:cNvSpPr>
+            <a:spLocks noChangeAspect="1" noChangeArrowheads="1"/>
+          </p:cNvSpPr>
+          <p:nvPr/>
+        </p:nvSpPr>
+        <p:spPr bwMode="auto">
+          <a:xfrm>
+            <a:off x="155575" y="-144463"/>
+            <a:ext cx="304800" cy="304801"/>
+          </a:xfrm>
+          <a:prstGeom prst="rect">
+            <a:avLst/>
+          </a:prstGeom>
+          <a:noFill/>
+        </p:spPr>
+        <p:txBody>
+          <a:bodyPr vert="horz" wrap="square" lIns="91440" tIns="45720" rIns="91440" bIns="45720" numCol="1" anchor="t" anchorCtr="0" compatLnSpc="1">
+            <a:prstTxWarp prst="textNoShape">
+              <a:avLst/>
+            </a:prstTxWarp>
+          </a:bodyPr>
+          <a:lstStyle/>
+          <a:p>
+            <a:endParaRPr lang="nl-NL" dirty="0"/>
+          </a:p>
+        </p:txBody>
+      </p:sp>
+      <p:pic>
+        <p:nvPicPr>
+          <p:cNvPr id="5" name="Afbeelding 4" descr="image (7).png"/>
+          <p:cNvPicPr>
+            <a:picLocks noChangeAspect="1"/>
+          </p:cNvPicPr>
+          <p:nvPr/>
+        </p:nvPicPr>
+        <p:blipFill>
+          <a:blip r:embed="rId2" cstate="print"/>
+          <a:stretch>
+            <a:fillRect/>
+          </a:stretch>
+        </p:blipFill>
+        <p:spPr>
+          <a:xfrm>
+            <a:off x="251520" y="1196752"/>
+            <a:ext cx="8648361" cy="5184576"/>
+          </a:xfrm>
+          <a:prstGeom prst="rect">
+            <a:avLst/>
+          </a:prstGeom>
+        </p:spPr>
+      </p:pic>
+    </p:spTree>
+  </p:cSld>
+  <p:clrMapOvr>
+    <a:masterClrMapping/>
+  </p:clrMapOvr>
+  <p:timing>
+    <p:tnLst>
+      <p:par>
+        <p:cTn id="1" dur="indefinite" restart="never" nodeType="tmRoot"/>
+      </p:par>
+    </p:tnLst>
+  </p:timing>
+</p:sld>
+</file>
+
+<file path=ppt/slides/slide21.xml><?xml version="1.0" encoding="utf-8"?>
+<p:sld xmlns:a="http://schemas.openxmlformats.org/drawingml/2006/main" xmlns:r="http://schemas.openxmlformats.org/officeDocument/2006/relationships" xmlns:p="http://schemas.openxmlformats.org/presentationml/2006/main">
+  <p:cSld>
+    <p:spTree>
+      <p:nvGrpSpPr>
+        <p:cNvPr id="1" name=""/>
+        <p:cNvGrpSpPr/>
+        <p:nvPr/>
+      </p:nvGrpSpPr>
+      <p:grpSpPr>
+        <a:xfrm>
+          <a:off x="0" y="0"/>
+          <a:ext cx="0" cy="0"/>
+          <a:chOff x="0" y="0"/>
+          <a:chExt cx="0" cy="0"/>
+        </a:xfrm>
+      </p:grpSpPr>
+      <p:sp>
+        <p:nvSpPr>
+          <p:cNvPr id="2" name="Titel 1"/>
+          <p:cNvSpPr>
+            <a:spLocks noGrp="1"/>
+          </p:cNvSpPr>
+          <p:nvPr>
+            <p:ph type="title"/>
+          </p:nvPr>
+        </p:nvSpPr>
+        <p:spPr/>
+        <p:txBody>
+          <a:bodyPr/>
+          <a:lstStyle/>
+          <a:p>
+            <a:r>
+              <a:rPr lang="nl-NL" dirty="0" smtClean="0"/>
+              <a:t>Einde</a:t>
+            </a:r>
+            <a:endParaRPr lang="nl-NL" dirty="0"/>
+          </a:p>
+        </p:txBody>
+      </p:sp>
     </p:spTree>
   </p:cSld>
   <p:clrMapOvr>
@@ -5048,34 +6003,25 @@
       </p:grpSpPr>
       <p:pic>
         <p:nvPicPr>
-          <p:cNvPr id="3074" name="Picture 2"/>
+          <p:cNvPr id="4" name="Tijdelijke aanduiding voor inhoud 3" descr="image.png"/>
           <p:cNvPicPr>
-            <a:picLocks noChangeAspect="1" noChangeArrowheads="1"/>
+            <a:picLocks noGrp="1" noChangeAspect="1"/>
           </p:cNvPicPr>
-          <p:nvPr/>
+          <p:nvPr>
+            <p:ph idx="1"/>
+          </p:nvPr>
         </p:nvPicPr>
         <p:blipFill>
           <a:blip r:embed="rId2" cstate="print"/>
-          <a:srcRect/>
           <a:stretch>
             <a:fillRect/>
           </a:stretch>
         </p:blipFill>
-        <p:spPr bwMode="auto">
-          <a:xfrm>
-            <a:off x="0" y="1124744"/>
-            <a:ext cx="9144000" cy="4686300"/>
-          </a:xfrm>
-          <a:prstGeom prst="rect">
-            <a:avLst/>
-          </a:prstGeom>
-          <a:noFill/>
-          <a:ln w="9525">
-            <a:noFill/>
-            <a:miter lim="800000"/>
-            <a:headEnd/>
-            <a:tailEnd/>
-          </a:ln>
+        <p:spPr>
+          <a:xfrm>
+            <a:off x="611560" y="1395862"/>
+            <a:ext cx="8233633" cy="5129482"/>
+          </a:xfrm>
         </p:spPr>
       </p:pic>
       <p:sp>
@@ -5086,7 +6032,7 @@
         </p:nvSpPr>
         <p:spPr>
           <a:xfrm>
-            <a:off x="1619672" y="548680"/>
+            <a:off x="971600" y="404664"/>
             <a:ext cx="2160240" cy="369332"/>
           </a:xfrm>
           <a:prstGeom prst="rect">
@@ -5114,12 +6060,20 @@
           <a:lstStyle/>
           <a:p>
             <a:r>
+              <a:rPr lang="nl-NL" b="1" dirty="0" err="1" smtClean="0">
+                <a:solidFill>
+                  <a:srgbClr val="FF0000"/>
+                </a:solidFill>
+              </a:rPr>
+              <a:t>Init</a:t>
+            </a:r>
+            <a:r>
               <a:rPr lang="nl-NL" b="1" dirty="0" smtClean="0">
                 <a:solidFill>
                   <a:srgbClr val="FF0000"/>
                 </a:solidFill>
               </a:rPr>
-              <a:t>Ideale situatie</a:t>
+              <a:t> door controller</a:t>
             </a:r>
             <a:endParaRPr lang="nl-NL" b="1" dirty="0">
               <a:solidFill>
@@ -5131,14 +6085,14 @@
       </p:sp>
       <p:sp>
         <p:nvSpPr>
-          <p:cNvPr id="8" name="Tekstvak 7"/>
+          <p:cNvPr id="6" name="Tekstvak 5"/>
           <p:cNvSpPr txBox="1"/>
           <p:nvPr/>
         </p:nvSpPr>
         <p:spPr>
           <a:xfrm>
-            <a:off x="5940152" y="6021288"/>
-            <a:ext cx="2880320" cy="646331"/>
+            <a:off x="6444208" y="3356992"/>
+            <a:ext cx="2160240" cy="923330"/>
           </a:xfrm>
           <a:prstGeom prst="rect">
             <a:avLst/>
@@ -5170,23 +6124,7 @@
                   <a:srgbClr val="FF0000"/>
                 </a:solidFill>
               </a:rPr>
-              <a:t>Maar wat als de volgende positie </a:t>
-            </a:r>
-            <a:r>
-              <a:rPr lang="nl-NL" b="1" dirty="0" err="1" smtClean="0">
-                <a:solidFill>
-                  <a:srgbClr val="FF0000"/>
-                </a:solidFill>
-              </a:rPr>
-              <a:t>null</a:t>
-            </a:r>
-            <a:r>
-              <a:rPr lang="nl-NL" b="1" dirty="0" smtClean="0">
-                <a:solidFill>
-                  <a:srgbClr val="FF0000"/>
-                </a:solidFill>
-              </a:rPr>
-              <a:t> is?</a:t>
+              <a:t>Creëert de juiste baan volgens de casus</a:t>
             </a:r>
             <a:endParaRPr lang="nl-NL" b="1" dirty="0">
               <a:solidFill>
@@ -5196,6 +6134,39 @@
           </a:p>
         </p:txBody>
       </p:sp>
+      <p:cxnSp>
+        <p:nvCxnSpPr>
+          <p:cNvPr id="7" name="Rechte verbindingslijn 6"/>
+          <p:cNvCxnSpPr>
+            <a:endCxn id="6" idx="1"/>
+          </p:cNvCxnSpPr>
+          <p:nvPr/>
+        </p:nvCxnSpPr>
+        <p:spPr>
+          <a:xfrm flipV="1">
+            <a:off x="5652120" y="3818657"/>
+            <a:ext cx="792088" cy="114399"/>
+          </a:xfrm>
+          <a:prstGeom prst="line">
+            <a:avLst/>
+          </a:prstGeom>
+          <a:ln w="38100"/>
+        </p:spPr>
+        <p:style>
+          <a:lnRef idx="1">
+            <a:schemeClr val="accent2"/>
+          </a:lnRef>
+          <a:fillRef idx="0">
+            <a:schemeClr val="accent2"/>
+          </a:fillRef>
+          <a:effectRef idx="0">
+            <a:schemeClr val="accent2"/>
+          </a:effectRef>
+          <a:fontRef idx="minor">
+            <a:schemeClr val="tx1"/>
+          </a:fontRef>
+        </p:style>
+      </p:cxnSp>
     </p:spTree>
   </p:cSld>
   <p:clrMapOvr>
